--- a/新建 Microsoft PowerPoint 演示文稿.pptx
+++ b/新建 Microsoft PowerPoint 演示文稿.pptx
@@ -260,7 +260,7 @@
           <a:p>
             <a:fld id="{D80DD508-FE93-41B1-9C77-7C504291D213}" type="datetimeFigureOut">
               <a:rPr lang="zh-CN" altLang="en-US" smtClean="0"/>
-              <a:t>2021/8/8</a:t>
+              <a:t>2021/8/9</a:t>
             </a:fld>
             <a:endParaRPr lang="zh-CN" altLang="en-US"/>
           </a:p>
@@ -430,7 +430,7 @@
           <a:p>
             <a:fld id="{D80DD508-FE93-41B1-9C77-7C504291D213}" type="datetimeFigureOut">
               <a:rPr lang="zh-CN" altLang="en-US" smtClean="0"/>
-              <a:t>2021/8/8</a:t>
+              <a:t>2021/8/9</a:t>
             </a:fld>
             <a:endParaRPr lang="zh-CN" altLang="en-US"/>
           </a:p>
@@ -610,7 +610,7 @@
           <a:p>
             <a:fld id="{D80DD508-FE93-41B1-9C77-7C504291D213}" type="datetimeFigureOut">
               <a:rPr lang="zh-CN" altLang="en-US" smtClean="0"/>
-              <a:t>2021/8/8</a:t>
+              <a:t>2021/8/9</a:t>
             </a:fld>
             <a:endParaRPr lang="zh-CN" altLang="en-US"/>
           </a:p>
@@ -780,7 +780,7 @@
           <a:p>
             <a:fld id="{D80DD508-FE93-41B1-9C77-7C504291D213}" type="datetimeFigureOut">
               <a:rPr lang="zh-CN" altLang="en-US" smtClean="0"/>
-              <a:t>2021/8/8</a:t>
+              <a:t>2021/8/9</a:t>
             </a:fld>
             <a:endParaRPr lang="zh-CN" altLang="en-US"/>
           </a:p>
@@ -1026,7 +1026,7 @@
           <a:p>
             <a:fld id="{D80DD508-FE93-41B1-9C77-7C504291D213}" type="datetimeFigureOut">
               <a:rPr lang="zh-CN" altLang="en-US" smtClean="0"/>
-              <a:t>2021/8/8</a:t>
+              <a:t>2021/8/9</a:t>
             </a:fld>
             <a:endParaRPr lang="zh-CN" altLang="en-US"/>
           </a:p>
@@ -1258,7 +1258,7 @@
           <a:p>
             <a:fld id="{D80DD508-FE93-41B1-9C77-7C504291D213}" type="datetimeFigureOut">
               <a:rPr lang="zh-CN" altLang="en-US" smtClean="0"/>
-              <a:t>2021/8/8</a:t>
+              <a:t>2021/8/9</a:t>
             </a:fld>
             <a:endParaRPr lang="zh-CN" altLang="en-US"/>
           </a:p>
@@ -1625,7 +1625,7 @@
           <a:p>
             <a:fld id="{D80DD508-FE93-41B1-9C77-7C504291D213}" type="datetimeFigureOut">
               <a:rPr lang="zh-CN" altLang="en-US" smtClean="0"/>
-              <a:t>2021/8/8</a:t>
+              <a:t>2021/8/9</a:t>
             </a:fld>
             <a:endParaRPr lang="zh-CN" altLang="en-US"/>
           </a:p>
@@ -1743,7 +1743,7 @@
           <a:p>
             <a:fld id="{D80DD508-FE93-41B1-9C77-7C504291D213}" type="datetimeFigureOut">
               <a:rPr lang="zh-CN" altLang="en-US" smtClean="0"/>
-              <a:t>2021/8/8</a:t>
+              <a:t>2021/8/9</a:t>
             </a:fld>
             <a:endParaRPr lang="zh-CN" altLang="en-US"/>
           </a:p>
@@ -1838,7 +1838,7 @@
           <a:p>
             <a:fld id="{D80DD508-FE93-41B1-9C77-7C504291D213}" type="datetimeFigureOut">
               <a:rPr lang="zh-CN" altLang="en-US" smtClean="0"/>
-              <a:t>2021/8/8</a:t>
+              <a:t>2021/8/9</a:t>
             </a:fld>
             <a:endParaRPr lang="zh-CN" altLang="en-US"/>
           </a:p>
@@ -2115,7 +2115,7 @@
           <a:p>
             <a:fld id="{D80DD508-FE93-41B1-9C77-7C504291D213}" type="datetimeFigureOut">
               <a:rPr lang="zh-CN" altLang="en-US" smtClean="0"/>
-              <a:t>2021/8/8</a:t>
+              <a:t>2021/8/9</a:t>
             </a:fld>
             <a:endParaRPr lang="zh-CN" altLang="en-US"/>
           </a:p>
@@ -2368,7 +2368,7 @@
           <a:p>
             <a:fld id="{D80DD508-FE93-41B1-9C77-7C504291D213}" type="datetimeFigureOut">
               <a:rPr lang="zh-CN" altLang="en-US" smtClean="0"/>
-              <a:t>2021/8/8</a:t>
+              <a:t>2021/8/9</a:t>
             </a:fld>
             <a:endParaRPr lang="zh-CN" altLang="en-US"/>
           </a:p>
@@ -2581,7 +2581,7 @@
           <a:p>
             <a:fld id="{D80DD508-FE93-41B1-9C77-7C504291D213}" type="datetimeFigureOut">
               <a:rPr lang="zh-CN" altLang="en-US" smtClean="0"/>
-              <a:t>2021/8/8</a:t>
+              <a:t>2021/8/9</a:t>
             </a:fld>
             <a:endParaRPr lang="zh-CN" altLang="en-US"/>
           </a:p>
@@ -3094,8 +3094,8 @@
         </p:blipFill>
         <p:spPr>
           <a:xfrm>
-            <a:off x="4779245" y="1116680"/>
-            <a:ext cx="2240474" cy="1973751"/>
+            <a:off x="4779244" y="1116680"/>
+            <a:ext cx="6180303" cy="5444553"/>
           </a:xfrm>
           <a:prstGeom prst="rect">
             <a:avLst/>
@@ -3118,7 +3118,7 @@
         </p:blipFill>
         <p:spPr>
           <a:xfrm>
-            <a:off x="4315768" y="3239287"/>
+            <a:off x="313611" y="2891963"/>
             <a:ext cx="5814564" cy="3718882"/>
           </a:xfrm>
           <a:prstGeom prst="rect">
